--- a/Sai_Manish_Akula_LCC.pptx
+++ b/Sai_Manish_Akula_LCC.pptx
@@ -7261,27 +7261,7 @@
                 <a:effectLst/>
                 <a:latin typeface="Helvetica Neue"/>
               </a:rPr>
-              <a:t>Comparing the Default Rate with </a:t>
-            </a:r>
-            <a:r>
-              <a:rPr lang="en-US" b="1" i="0" dirty="0" err="1">
-                <a:solidFill>
-                  <a:srgbClr val="000000"/>
-                </a:solidFill>
-                <a:effectLst/>
-                <a:latin typeface="Helvetica Neue"/>
-              </a:rPr>
-              <a:t>Anual</a:t>
-            </a:r>
-            <a:r>
-              <a:rPr lang="en-US" b="1" i="0" dirty="0">
-                <a:solidFill>
-                  <a:srgbClr val="000000"/>
-                </a:solidFill>
-                <a:effectLst/>
-                <a:latin typeface="Helvetica Neue"/>
-              </a:rPr>
-              <a:t> income</a:t>
+              <a:t>Comparing the Default Rate with Annual income</a:t>
             </a:r>
           </a:p>
         </p:txBody>
@@ -7419,7 +7399,7 @@
         <p:spPr>
           <a:xfrm>
             <a:off x="1215338" y="810260"/>
-            <a:ext cx="7395262" cy="258404"/>
+            <a:ext cx="8462062" cy="812402"/>
           </a:xfrm>
           <a:prstGeom prst="rect">
             <a:avLst/>
@@ -7436,6 +7416,34 @@
                 <a:spcPts val="95"/>
               </a:spcBef>
             </a:pPr>
+            <a:r>
+              <a:rPr lang="en-US" sz="2000" b="1" i="0" dirty="0">
+                <a:solidFill>
+                  <a:srgbClr val="000000"/>
+                </a:solidFill>
+                <a:effectLst/>
+                <a:latin typeface="Helvetica Neue"/>
+              </a:rPr>
+              <a:t>BIVARIATE ANALYSIS</a:t>
+            </a:r>
+            <a:br>
+              <a:rPr lang="en-US" sz="1600" b="1" i="0" dirty="0">
+                <a:solidFill>
+                  <a:srgbClr val="000000"/>
+                </a:solidFill>
+                <a:effectLst/>
+                <a:latin typeface="Helvetica Neue"/>
+              </a:rPr>
+            </a:br>
+            <a:br>
+              <a:rPr lang="en-US" sz="1600" b="1" i="0" dirty="0">
+                <a:solidFill>
+                  <a:srgbClr val="000000"/>
+                </a:solidFill>
+                <a:effectLst/>
+                <a:latin typeface="Helvetica Neue"/>
+              </a:rPr>
+            </a:br>
             <a:r>
               <a:rPr lang="en-US" sz="1600" b="1" i="0" dirty="0">
                 <a:solidFill>
@@ -7513,8 +7521,8 @@
         </p:nvSpPr>
         <p:spPr>
           <a:xfrm>
-            <a:off x="847445" y="1338819"/>
-            <a:ext cx="10658755" cy="289823"/>
+            <a:off x="766622" y="1682282"/>
+            <a:ext cx="10658755" cy="566822"/>
           </a:xfrm>
           <a:prstGeom prst="rect">
             <a:avLst/>
@@ -7535,7 +7543,20 @@
                 <a:effectLst/>
                 <a:latin typeface="Helvetica Neue"/>
               </a:rPr>
-              <a:t> A) Purpose v/s Loan Amount</a:t>
+              <a:t> </a:t>
+            </a:r>
+          </a:p>
+          <a:p>
+            <a:pPr algn="l"/>
+            <a:r>
+              <a:rPr lang="en-US" b="1" i="0" dirty="0">
+                <a:solidFill>
+                  <a:srgbClr val="000000"/>
+                </a:solidFill>
+                <a:effectLst/>
+                <a:latin typeface="Helvetica Neue"/>
+              </a:rPr>
+              <a:t>5.1.1.A Purpose v/s Loan Amount</a:t>
             </a:r>
           </a:p>
         </p:txBody>
@@ -7569,7 +7590,7 @@
         </p:blipFill>
         <p:spPr bwMode="auto">
           <a:xfrm>
-            <a:off x="1161145" y="1760577"/>
+            <a:off x="1066800" y="2588327"/>
             <a:ext cx="9753600" cy="4041140"/>
           </a:xfrm>
           <a:prstGeom prst="rect">
